--- a/doc/arch.pptx
+++ b/doc/arch.pptx
@@ -289,7 +289,7 @@
           <a:p>
             <a:fld id="{D36334F3-E7BB-D34A-A49E-AF958E59605A}" type="datetimeFigureOut">
               <a:rPr kumimoji="1" lang="zh-CN" altLang="en-US" smtClean="0"/>
-              <a:t>15/12/31</a:t>
+              <a:t>16/5/21</a:t>
             </a:fld>
             <a:endParaRPr kumimoji="1" lang="zh-CN" altLang="en-US"/>
           </a:p>
@@ -459,7 +459,7 @@
           <a:p>
             <a:fld id="{D36334F3-E7BB-D34A-A49E-AF958E59605A}" type="datetimeFigureOut">
               <a:rPr kumimoji="1" lang="zh-CN" altLang="en-US" smtClean="0"/>
-              <a:t>15/12/31</a:t>
+              <a:t>16/5/21</a:t>
             </a:fld>
             <a:endParaRPr kumimoji="1" lang="zh-CN" altLang="en-US"/>
           </a:p>
@@ -639,7 +639,7 @@
           <a:p>
             <a:fld id="{D36334F3-E7BB-D34A-A49E-AF958E59605A}" type="datetimeFigureOut">
               <a:rPr kumimoji="1" lang="zh-CN" altLang="en-US" smtClean="0"/>
-              <a:t>15/12/31</a:t>
+              <a:t>16/5/21</a:t>
             </a:fld>
             <a:endParaRPr kumimoji="1" lang="zh-CN" altLang="en-US"/>
           </a:p>
@@ -809,7 +809,7 @@
           <a:p>
             <a:fld id="{D36334F3-E7BB-D34A-A49E-AF958E59605A}" type="datetimeFigureOut">
               <a:rPr kumimoji="1" lang="zh-CN" altLang="en-US" smtClean="0"/>
-              <a:t>15/12/31</a:t>
+              <a:t>16/5/21</a:t>
             </a:fld>
             <a:endParaRPr kumimoji="1" lang="zh-CN" altLang="en-US"/>
           </a:p>
@@ -1055,7 +1055,7 @@
           <a:p>
             <a:fld id="{D36334F3-E7BB-D34A-A49E-AF958E59605A}" type="datetimeFigureOut">
               <a:rPr kumimoji="1" lang="zh-CN" altLang="en-US" smtClean="0"/>
-              <a:t>15/12/31</a:t>
+              <a:t>16/5/21</a:t>
             </a:fld>
             <a:endParaRPr kumimoji="1" lang="zh-CN" altLang="en-US"/>
           </a:p>
@@ -1343,7 +1343,7 @@
           <a:p>
             <a:fld id="{D36334F3-E7BB-D34A-A49E-AF958E59605A}" type="datetimeFigureOut">
               <a:rPr kumimoji="1" lang="zh-CN" altLang="en-US" smtClean="0"/>
-              <a:t>15/12/31</a:t>
+              <a:t>16/5/21</a:t>
             </a:fld>
             <a:endParaRPr kumimoji="1" lang="zh-CN" altLang="en-US"/>
           </a:p>
@@ -1765,7 +1765,7 @@
           <a:p>
             <a:fld id="{D36334F3-E7BB-D34A-A49E-AF958E59605A}" type="datetimeFigureOut">
               <a:rPr kumimoji="1" lang="zh-CN" altLang="en-US" smtClean="0"/>
-              <a:t>15/12/31</a:t>
+              <a:t>16/5/21</a:t>
             </a:fld>
             <a:endParaRPr kumimoji="1" lang="zh-CN" altLang="en-US"/>
           </a:p>
@@ -1883,7 +1883,7 @@
           <a:p>
             <a:fld id="{D36334F3-E7BB-D34A-A49E-AF958E59605A}" type="datetimeFigureOut">
               <a:rPr kumimoji="1" lang="zh-CN" altLang="en-US" smtClean="0"/>
-              <a:t>15/12/31</a:t>
+              <a:t>16/5/21</a:t>
             </a:fld>
             <a:endParaRPr kumimoji="1" lang="zh-CN" altLang="en-US"/>
           </a:p>
@@ -1978,7 +1978,7 @@
           <a:p>
             <a:fld id="{D36334F3-E7BB-D34A-A49E-AF958E59605A}" type="datetimeFigureOut">
               <a:rPr kumimoji="1" lang="zh-CN" altLang="en-US" smtClean="0"/>
-              <a:t>15/12/31</a:t>
+              <a:t>16/5/21</a:t>
             </a:fld>
             <a:endParaRPr kumimoji="1" lang="zh-CN" altLang="en-US"/>
           </a:p>
@@ -2255,7 +2255,7 @@
           <a:p>
             <a:fld id="{D36334F3-E7BB-D34A-A49E-AF958E59605A}" type="datetimeFigureOut">
               <a:rPr kumimoji="1" lang="zh-CN" altLang="en-US" smtClean="0"/>
-              <a:t>15/12/31</a:t>
+              <a:t>16/5/21</a:t>
             </a:fld>
             <a:endParaRPr kumimoji="1" lang="zh-CN" altLang="en-US"/>
           </a:p>
@@ -2508,7 +2508,7 @@
           <a:p>
             <a:fld id="{D36334F3-E7BB-D34A-A49E-AF958E59605A}" type="datetimeFigureOut">
               <a:rPr kumimoji="1" lang="zh-CN" altLang="en-US" smtClean="0"/>
-              <a:t>15/12/31</a:t>
+              <a:t>16/5/21</a:t>
             </a:fld>
             <a:endParaRPr kumimoji="1" lang="zh-CN" altLang="en-US"/>
           </a:p>
@@ -2721,7 +2721,7 @@
           <a:p>
             <a:fld id="{D36334F3-E7BB-D34A-A49E-AF958E59605A}" type="datetimeFigureOut">
               <a:rPr kumimoji="1" lang="zh-CN" altLang="en-US" smtClean="0"/>
-              <a:t>15/12/31</a:t>
+              <a:t>16/5/21</a:t>
             </a:fld>
             <a:endParaRPr kumimoji="1" lang="zh-CN" altLang="en-US"/>
           </a:p>
@@ -4274,6 +4274,7 @@
               <a:schemeClr val="tx1"/>
             </a:solidFill>
           </a:ln>
+          <a:effectLst/>
         </p:spPr>
         <p:style>
           <a:lnRef idx="1">
@@ -4332,6 +4333,7 @@
               <a:srgbClr val="000000"/>
             </a:solidFill>
           </a:ln>
+          <a:effectLst/>
         </p:spPr>
         <p:style>
           <a:lnRef idx="1">
@@ -4390,6 +4392,7 @@
               <a:srgbClr val="000000"/>
             </a:solidFill>
           </a:ln>
+          <a:effectLst/>
         </p:spPr>
         <p:style>
           <a:lnRef idx="1">
@@ -4424,23 +4427,7 @@
                   <a:srgbClr val="000000"/>
                 </a:solidFill>
               </a:rPr>
-              <a:t>epost </a:t>
-            </a:r>
-            <a:r>
-              <a:rPr kumimoji="1" lang="en-US" altLang="zh-CN" dirty="0" smtClean="0">
-                <a:solidFill>
-                  <a:srgbClr val="000000"/>
-                </a:solidFill>
-              </a:rPr>
-              <a:t>C</a:t>
-            </a:r>
-            <a:r>
-              <a:rPr kumimoji="1" lang="en-US" altLang="zh-CN" dirty="0" smtClean="0">
-                <a:solidFill>
-                  <a:srgbClr val="000000"/>
-                </a:solidFill>
-              </a:rPr>
-              <a:t>rawler</a:t>
+              <a:t>epost Crawler</a:t>
             </a:r>
             <a:endParaRPr kumimoji="1" lang="zh-CN" altLang="en-US" dirty="0">
               <a:solidFill>
@@ -4472,6 +4459,7 @@
               <a:srgbClr val="000000"/>
             </a:solidFill>
           </a:ln>
+          <a:effectLst/>
         </p:spPr>
         <p:style>
           <a:lnRef idx="1">
@@ -4530,6 +4518,7 @@
               <a:srgbClr val="000000"/>
             </a:solidFill>
           </a:ln>
+          <a:effectLst/>
         </p:spPr>
         <p:style>
           <a:lnRef idx="1">
@@ -4556,15 +4545,7 @@
                   <a:srgbClr val="000000"/>
                 </a:solidFill>
               </a:rPr>
-              <a:t>RT</a:t>
-            </a:r>
-            <a:r>
-              <a:rPr kumimoji="1" lang="en-US" altLang="zh-CN" dirty="0" err="1" smtClean="0">
-                <a:solidFill>
-                  <a:srgbClr val="000000"/>
-                </a:solidFill>
-              </a:rPr>
-              <a:t>Series</a:t>
+              <a:t>RTSeries</a:t>
             </a:r>
             <a:endParaRPr kumimoji="1" lang="en-US" altLang="zh-CN" dirty="0" smtClean="0">
               <a:solidFill>
@@ -4612,6 +4593,7 @@
               <a:srgbClr val="000000"/>
             </a:solidFill>
           </a:ln>
+          <a:effectLst/>
         </p:spPr>
         <p:style>
           <a:lnRef idx="1">
@@ -4686,6 +4668,7 @@
               <a:srgbClr val="000000"/>
             </a:solidFill>
           </a:ln>
+          <a:effectLst/>
         </p:spPr>
         <p:style>
           <a:lnRef idx="1">
@@ -4744,6 +4727,7 @@
               <a:srgbClr val="000000"/>
             </a:solidFill>
           </a:ln>
+          <a:effectLst/>
         </p:spPr>
         <p:style>
           <a:lnRef idx="1">
@@ -4770,7 +4754,15 @@
                   <a:srgbClr val="000000"/>
                 </a:solidFill>
               </a:rPr>
-              <a:t>Web service</a:t>
+              <a:t>Web </a:t>
+            </a:r>
+            <a:r>
+              <a:rPr kumimoji="1" lang="en-US" altLang="zh-CN" dirty="0" smtClean="0">
+                <a:solidFill>
+                  <a:srgbClr val="000000"/>
+                </a:solidFill>
+              </a:rPr>
+              <a:t>Service</a:t>
             </a:r>
             <a:endParaRPr kumimoji="1" lang="zh-CN" altLang="en-US" dirty="0">
               <a:solidFill>
@@ -4802,6 +4794,7 @@
               <a:srgbClr val="000000"/>
             </a:solidFill>
           </a:ln>
+          <a:effectLst/>
         </p:spPr>
         <p:style>
           <a:lnRef idx="1">
@@ -4828,7 +4821,7 @@
                   <a:srgbClr val="000000"/>
                 </a:solidFill>
               </a:rPr>
-              <a:t>Analytic</a:t>
+              <a:t>Analytics</a:t>
             </a:r>
             <a:endParaRPr kumimoji="1" lang="zh-CN" altLang="en-US" dirty="0">
               <a:solidFill>
@@ -4858,6 +4851,7 @@
               <a:schemeClr val="tx1"/>
             </a:solidFill>
           </a:ln>
+          <a:effectLst/>
         </p:spPr>
         <p:style>
           <a:lnRef idx="1">
@@ -4904,6 +4898,7 @@
               <a:srgbClr val="000000"/>
             </a:solidFill>
           </a:ln>
+          <a:effectLst/>
         </p:spPr>
         <p:style>
           <a:lnRef idx="1">
